--- a/Docs/StarwarsTD.pptx
+++ b/Docs/StarwarsTD.pptx
@@ -8,11 +8,9 @@
     <p:sldId id="256" r:id="rId2"/>
     <p:sldId id="257" r:id="rId3"/>
     <p:sldId id="258" r:id="rId4"/>
-    <p:sldId id="259" r:id="rId5"/>
-    <p:sldId id="260" r:id="rId6"/>
-    <p:sldId id="261" r:id="rId7"/>
-    <p:sldId id="262" r:id="rId8"/>
-    <p:sldId id="263" r:id="rId9"/>
+    <p:sldId id="260" r:id="rId5"/>
+    <p:sldId id="264" r:id="rId6"/>
+    <p:sldId id="263" r:id="rId7"/>
   </p:sldIdLst>
   <p:sldSz cx="12192000" cy="6858000"/>
   <p:notesSz cx="6858000" cy="9144000"/>
@@ -111,6 +109,11 @@
       </a:defRPr>
     </a:lvl9pPr>
   </p:defaultTextStyle>
+  <p:extLst>
+    <p:ext uri="{EFAFB233-063F-42B5-8137-9DF3F51BA10A}">
+      <p15:sldGuideLst xmlns:p15="http://schemas.microsoft.com/office/powerpoint/2012/main"/>
+    </p:ext>
+  </p:extLst>
 </p:presentation>
 </file>
 
@@ -3113,9 +3116,7 @@
       </p:sp>
       <p:sp>
         <p:nvSpPr>
-          <p:cNvPr id="5" name="Rectángulo 4">
-            <a:hlinkClick r:id="rId3" action="ppaction://hlinksldjump"/>
-          </p:cNvPr>
+          <p:cNvPr id="5" name="Rectángulo 4"/>
           <p:cNvSpPr/>
           <p:nvPr/>
         </p:nvSpPr>
@@ -3162,7 +3163,7 @@
       <p:sp>
         <p:nvSpPr>
           <p:cNvPr id="6" name="Rectángulo 5">
-            <a:hlinkClick r:id="rId4" action="ppaction://hlinksldjump"/>
+            <a:hlinkClick r:id="rId3" action="ppaction://hlinksldjump"/>
           </p:cNvPr>
           <p:cNvSpPr/>
           <p:nvPr/>
@@ -3202,6 +3203,94 @@
                 <a:latin typeface="Star Jedi" panose="040B0000000000000000" pitchFamily="82" charset="0"/>
               </a:rPr>
               <a:t>instructions</a:t>
+            </a:r>
+            <a:endParaRPr lang="en-US" dirty="0"/>
+          </a:p>
+        </p:txBody>
+      </p:sp>
+      <p:sp>
+        <p:nvSpPr>
+          <p:cNvPr id="3" name="Flecha izquierda 2"/>
+          <p:cNvSpPr/>
+          <p:nvPr/>
+        </p:nvSpPr>
+        <p:spPr>
+          <a:xfrm>
+            <a:off x="7212458" y="3174715"/>
+            <a:ext cx="1767155" cy="808005"/>
+          </a:xfrm>
+          <a:prstGeom prst="leftArrow">
+            <a:avLst/>
+          </a:prstGeom>
+        </p:spPr>
+        <p:style>
+          <a:lnRef idx="2">
+            <a:schemeClr val="accent1">
+              <a:shade val="50000"/>
+            </a:schemeClr>
+          </a:lnRef>
+          <a:fillRef idx="1">
+            <a:schemeClr val="accent1"/>
+          </a:fillRef>
+          <a:effectRef idx="0">
+            <a:schemeClr val="accent1"/>
+          </a:effectRef>
+          <a:fontRef idx="minor">
+            <a:schemeClr val="lt1"/>
+          </a:fontRef>
+        </p:style>
+        <p:txBody>
+          <a:bodyPr rtlCol="0" anchor="ctr"/>
+          <a:lstStyle/>
+          <a:p>
+            <a:pPr algn="ctr"/>
+            <a:r>
+              <a:rPr lang="en-US" dirty="0" err="1" smtClean="0"/>
+              <a:t>Funcional</a:t>
+            </a:r>
+            <a:endParaRPr lang="en-US" dirty="0"/>
+          </a:p>
+        </p:txBody>
+      </p:sp>
+      <p:sp>
+        <p:nvSpPr>
+          <p:cNvPr id="7" name="Flecha izquierda 6"/>
+          <p:cNvSpPr/>
+          <p:nvPr/>
+        </p:nvSpPr>
+        <p:spPr>
+          <a:xfrm>
+            <a:off x="7212458" y="4306708"/>
+            <a:ext cx="1767155" cy="808005"/>
+          </a:xfrm>
+          <a:prstGeom prst="leftArrow">
+            <a:avLst/>
+          </a:prstGeom>
+        </p:spPr>
+        <p:style>
+          <a:lnRef idx="2">
+            <a:schemeClr val="accent1">
+              <a:shade val="50000"/>
+            </a:schemeClr>
+          </a:lnRef>
+          <a:fillRef idx="1">
+            <a:schemeClr val="accent1"/>
+          </a:fillRef>
+          <a:effectRef idx="0">
+            <a:schemeClr val="accent1"/>
+          </a:effectRef>
+          <a:fontRef idx="minor">
+            <a:schemeClr val="lt1"/>
+          </a:fontRef>
+        </p:style>
+        <p:txBody>
+          <a:bodyPr rtlCol="0" anchor="ctr"/>
+          <a:lstStyle/>
+          <a:p>
+            <a:pPr algn="ctr"/>
+            <a:r>
+              <a:rPr lang="en-US" dirty="0" err="1" smtClean="0"/>
+              <a:t>Funcional</a:t>
             </a:r>
             <a:endParaRPr lang="en-US" dirty="0"/>
           </a:p>
@@ -3536,6 +3625,50 @@
           </a:p>
         </p:txBody>
       </p:sp>
+      <p:sp>
+        <p:nvSpPr>
+          <p:cNvPr id="8" name="Flecha izquierda 7"/>
+          <p:cNvSpPr/>
+          <p:nvPr/>
+        </p:nvSpPr>
+        <p:spPr>
+          <a:xfrm>
+            <a:off x="1910993" y="337042"/>
+            <a:ext cx="1767155" cy="808005"/>
+          </a:xfrm>
+          <a:prstGeom prst="leftArrow">
+            <a:avLst/>
+          </a:prstGeom>
+        </p:spPr>
+        <p:style>
+          <a:lnRef idx="2">
+            <a:schemeClr val="accent1">
+              <a:shade val="50000"/>
+            </a:schemeClr>
+          </a:lnRef>
+          <a:fillRef idx="1">
+            <a:schemeClr val="accent1"/>
+          </a:fillRef>
+          <a:effectRef idx="0">
+            <a:schemeClr val="accent1"/>
+          </a:effectRef>
+          <a:fontRef idx="minor">
+            <a:schemeClr val="lt1"/>
+          </a:fontRef>
+        </p:style>
+        <p:txBody>
+          <a:bodyPr rtlCol="0" anchor="ctr"/>
+          <a:lstStyle/>
+          <a:p>
+            <a:pPr algn="ctr"/>
+            <a:r>
+              <a:rPr lang="en-US" dirty="0" err="1" smtClean="0"/>
+              <a:t>Funcional</a:t>
+            </a:r>
+            <a:endParaRPr lang="en-US" dirty="0"/>
+          </a:p>
+        </p:txBody>
+      </p:sp>
     </p:spTree>
     <p:extLst>
       <p:ext uri="{BB962C8B-B14F-4D97-AF65-F5344CB8AC3E}">
@@ -4306,6 +4439,178 @@
           </a:p>
         </p:txBody>
       </p:sp>
+      <p:pic>
+        <p:nvPicPr>
+          <p:cNvPr id="6" name="Imagen 5">
+            <a:hlinkClick r:id="rId3" action="ppaction://hlinksldjump"/>
+          </p:cNvPr>
+          <p:cNvPicPr>
+            <a:picLocks noChangeAspect="1"/>
+          </p:cNvPicPr>
+          <p:nvPr/>
+        </p:nvPicPr>
+        <p:blipFill>
+          <a:blip r:embed="rId4" cstate="print">
+            <a:extLst>
+              <a:ext uri="{28A0092B-C50C-407E-A947-70E740481C1C}">
+                <a14:useLocalDpi xmlns:a14="http://schemas.microsoft.com/office/drawing/2010/main" val="0"/>
+              </a:ext>
+            </a:extLst>
+          </a:blip>
+          <a:stretch>
+            <a:fillRect/>
+          </a:stretch>
+        </p:blipFill>
+        <p:spPr>
+          <a:xfrm>
+            <a:off x="1142174" y="1994413"/>
+            <a:ext cx="3329052" cy="1703923"/>
+          </a:xfrm>
+          <a:prstGeom prst="rect">
+            <a:avLst/>
+          </a:prstGeom>
+        </p:spPr>
+      </p:pic>
+      <p:pic>
+        <p:nvPicPr>
+          <p:cNvPr id="9" name="Imagen 8">
+            <a:hlinkClick r:id="rId3" action="ppaction://hlinksldjump"/>
+          </p:cNvPr>
+          <p:cNvPicPr>
+            <a:picLocks noChangeAspect="1"/>
+          </p:cNvPicPr>
+          <p:nvPr/>
+        </p:nvPicPr>
+        <p:blipFill>
+          <a:blip r:embed="rId4" cstate="print">
+            <a:extLst>
+              <a:ext uri="{28A0092B-C50C-407E-A947-70E740481C1C}">
+                <a14:useLocalDpi xmlns:a14="http://schemas.microsoft.com/office/drawing/2010/main" val="0"/>
+              </a:ext>
+            </a:extLst>
+          </a:blip>
+          <a:stretch>
+            <a:fillRect/>
+          </a:stretch>
+        </p:blipFill>
+        <p:spPr>
+          <a:xfrm>
+            <a:off x="8363394" y="1994412"/>
+            <a:ext cx="3329052" cy="1703923"/>
+          </a:xfrm>
+          <a:prstGeom prst="rect">
+            <a:avLst/>
+          </a:prstGeom>
+        </p:spPr>
+      </p:pic>
+      <p:pic>
+        <p:nvPicPr>
+          <p:cNvPr id="10" name="Imagen 9">
+            <a:hlinkClick r:id="rId3" action="ppaction://hlinksldjump"/>
+          </p:cNvPr>
+          <p:cNvPicPr>
+            <a:picLocks noChangeAspect="1"/>
+          </p:cNvPicPr>
+          <p:nvPr/>
+        </p:nvPicPr>
+        <p:blipFill>
+          <a:blip r:embed="rId4" cstate="print">
+            <a:extLst>
+              <a:ext uri="{28A0092B-C50C-407E-A947-70E740481C1C}">
+                <a14:useLocalDpi xmlns:a14="http://schemas.microsoft.com/office/drawing/2010/main" val="0"/>
+              </a:ext>
+            </a:extLst>
+          </a:blip>
+          <a:stretch>
+            <a:fillRect/>
+          </a:stretch>
+        </p:blipFill>
+        <p:spPr>
+          <a:xfrm>
+            <a:off x="1142174" y="4356517"/>
+            <a:ext cx="3329052" cy="1703923"/>
+          </a:xfrm>
+          <a:prstGeom prst="rect">
+            <a:avLst/>
+          </a:prstGeom>
+        </p:spPr>
+      </p:pic>
+      <p:pic>
+        <p:nvPicPr>
+          <p:cNvPr id="11" name="Imagen 10">
+            <a:hlinkClick r:id="rId3" action="ppaction://hlinksldjump"/>
+          </p:cNvPr>
+          <p:cNvPicPr>
+            <a:picLocks noChangeAspect="1"/>
+          </p:cNvPicPr>
+          <p:nvPr/>
+        </p:nvPicPr>
+        <p:blipFill>
+          <a:blip r:embed="rId4" cstate="print">
+            <a:extLst>
+              <a:ext uri="{28A0092B-C50C-407E-A947-70E740481C1C}">
+                <a14:useLocalDpi xmlns:a14="http://schemas.microsoft.com/office/drawing/2010/main" val="0"/>
+              </a:ext>
+            </a:extLst>
+          </a:blip>
+          <a:stretch>
+            <a:fillRect/>
+          </a:stretch>
+        </p:blipFill>
+        <p:spPr>
+          <a:xfrm>
+            <a:off x="8363394" y="4356517"/>
+            <a:ext cx="3329052" cy="1703923"/>
+          </a:xfrm>
+          <a:prstGeom prst="rect">
+            <a:avLst/>
+          </a:prstGeom>
+        </p:spPr>
+      </p:pic>
+      <p:sp>
+        <p:nvSpPr>
+          <p:cNvPr id="12" name="Flecha izquierda 11"/>
+          <p:cNvSpPr/>
+          <p:nvPr/>
+        </p:nvSpPr>
+        <p:spPr>
+          <a:xfrm>
+            <a:off x="1777429" y="309245"/>
+            <a:ext cx="1767155" cy="808005"/>
+          </a:xfrm>
+          <a:prstGeom prst="leftArrow">
+            <a:avLst/>
+          </a:prstGeom>
+        </p:spPr>
+        <p:style>
+          <a:lnRef idx="2">
+            <a:schemeClr val="accent1">
+              <a:shade val="50000"/>
+            </a:schemeClr>
+          </a:lnRef>
+          <a:fillRef idx="1">
+            <a:schemeClr val="accent1"/>
+          </a:fillRef>
+          <a:effectRef idx="0">
+            <a:schemeClr val="accent1"/>
+          </a:effectRef>
+          <a:fontRef idx="minor">
+            <a:schemeClr val="lt1"/>
+          </a:fontRef>
+        </p:style>
+        <p:txBody>
+          <a:bodyPr rtlCol="0" anchor="ctr"/>
+          <a:lstStyle/>
+          <a:p>
+            <a:pPr algn="ctr"/>
+            <a:r>
+              <a:rPr lang="en-US" dirty="0" err="1" smtClean="0"/>
+              <a:t>Funcional</a:t>
+            </a:r>
+            <a:endParaRPr lang="en-US" dirty="0"/>
+          </a:p>
+        </p:txBody>
+      </p:sp>
     </p:spTree>
     <p:extLst>
       <p:ext uri="{BB962C8B-B14F-4D97-AF65-F5344CB8AC3E}">
@@ -4343,711 +4648,48 @@
           <a:chExt cx="0" cy="0"/>
         </a:xfrm>
       </p:grpSpPr>
-      <p:sp>
-        <p:nvSpPr>
-          <p:cNvPr id="2" name="Título 1"/>
-          <p:cNvSpPr>
-            <a:spLocks noGrp="1"/>
-          </p:cNvSpPr>
-          <p:nvPr>
-            <p:ph type="title"/>
-          </p:nvPr>
-        </p:nvSpPr>
-        <p:spPr/>
-        <p:txBody>
-          <a:bodyPr/>
-          <a:lstStyle/>
-          <a:p>
-            <a:pPr algn="ctr"/>
-            <a:r>
-              <a:rPr lang="en-US" dirty="0" smtClean="0">
-                <a:solidFill>
-                  <a:schemeClr val="accent4">
-                    <a:lumMod val="60000"/>
-                    <a:lumOff val="40000"/>
-                  </a:schemeClr>
-                </a:solidFill>
-                <a:latin typeface="Star Jedi" panose="040B0000000000000000" pitchFamily="82" charset="0"/>
-              </a:rPr>
-              <a:t>Select map</a:t>
-            </a:r>
-            <a:endParaRPr lang="en-US" dirty="0"/>
-          </a:p>
-        </p:txBody>
-      </p:sp>
-      <p:sp>
-        <p:nvSpPr>
-          <p:cNvPr id="3" name="Marcador de contenido 2"/>
-          <p:cNvSpPr>
-            <a:spLocks noGrp="1"/>
-          </p:cNvSpPr>
-          <p:nvPr>
-            <p:ph idx="1"/>
-          </p:nvPr>
-        </p:nvSpPr>
+      <p:pic>
+        <p:nvPicPr>
+          <p:cNvPr id="2" name="Imagen 1"/>
+          <p:cNvPicPr>
+            <a:picLocks noChangeAspect="1"/>
+          </p:cNvPicPr>
+          <p:nvPr/>
+        </p:nvPicPr>
+        <p:blipFill>
+          <a:blip r:embed="rId2">
+            <a:extLst>
+              <a:ext uri="{28A0092B-C50C-407E-A947-70E740481C1C}">
+                <a14:useLocalDpi xmlns:a14="http://schemas.microsoft.com/office/drawing/2010/main" val="0"/>
+              </a:ext>
+            </a:extLst>
+          </a:blip>
+          <a:stretch>
+            <a:fillRect/>
+          </a:stretch>
+        </p:blipFill>
         <p:spPr>
           <a:xfrm>
-            <a:off x="2217420" y="3710464"/>
-            <a:ext cx="1178560" cy="1511776"/>
-          </a:xfrm>
-        </p:spPr>
-        <p:txBody>
-          <a:bodyPr>
-            <a:normAutofit/>
-          </a:bodyPr>
-          <a:lstStyle/>
-          <a:p>
-            <a:pPr marL="0" indent="0" algn="ctr">
-              <a:buNone/>
-            </a:pPr>
-            <a:r>
-              <a:rPr lang="en-US" dirty="0" smtClean="0">
-                <a:solidFill>
-                  <a:schemeClr val="accent4">
-                    <a:lumMod val="60000"/>
-                    <a:lumOff val="40000"/>
-                  </a:schemeClr>
-                </a:solidFill>
-                <a:latin typeface="Star Jedi" panose="040B0000000000000000" pitchFamily="82" charset="0"/>
-              </a:rPr>
-              <a:t>easy</a:t>
-            </a:r>
-            <a:endParaRPr lang="en-US" dirty="0"/>
-          </a:p>
-        </p:txBody>
-      </p:sp>
-      <p:sp>
-        <p:nvSpPr>
-          <p:cNvPr id="4" name="Marcador de contenido 2"/>
-          <p:cNvSpPr txBox="1">
-            <a:spLocks/>
-          </p:cNvSpPr>
-          <p:nvPr/>
-        </p:nvSpPr>
-        <p:spPr>
-          <a:xfrm>
-            <a:off x="2217420" y="6116320"/>
-            <a:ext cx="1178560" cy="629920"/>
+            <a:off x="0" y="0"/>
+            <a:ext cx="12192000" cy="6858000"/>
           </a:xfrm>
           <a:prstGeom prst="rect">
             <a:avLst/>
           </a:prstGeom>
         </p:spPr>
-        <p:txBody>
-          <a:bodyPr vert="horz" lIns="91440" tIns="45720" rIns="91440" bIns="45720" rtlCol="0">
-            <a:normAutofit fontScale="92500"/>
-          </a:bodyPr>
-          <a:lstStyle>
-            <a:lvl1pPr marL="228600" indent="-228600" algn="l" defTabSz="914400" rtl="0" eaLnBrk="1" latinLnBrk="0" hangingPunct="1">
-              <a:lnSpc>
-                <a:spcPct val="90000"/>
-              </a:lnSpc>
-              <a:spcBef>
-                <a:spcPts val="1000"/>
-              </a:spcBef>
-              <a:buFont typeface="Arial" panose="020B0604020202020204" pitchFamily="34" charset="0"/>
-              <a:buChar char="•"/>
-              <a:defRPr sz="2800" kern="1200">
-                <a:solidFill>
-                  <a:schemeClr val="tx1"/>
-                </a:solidFill>
-                <a:latin typeface="+mn-lt"/>
-                <a:ea typeface="+mn-ea"/>
-                <a:cs typeface="+mn-cs"/>
-              </a:defRPr>
-            </a:lvl1pPr>
-            <a:lvl2pPr marL="685800" indent="-228600" algn="l" defTabSz="914400" rtl="0" eaLnBrk="1" latinLnBrk="0" hangingPunct="1">
-              <a:lnSpc>
-                <a:spcPct val="90000"/>
-              </a:lnSpc>
-              <a:spcBef>
-                <a:spcPts val="500"/>
-              </a:spcBef>
-              <a:buFont typeface="Arial" panose="020B0604020202020204" pitchFamily="34" charset="0"/>
-              <a:buChar char="•"/>
-              <a:defRPr sz="2400" kern="1200">
-                <a:solidFill>
-                  <a:schemeClr val="tx1"/>
-                </a:solidFill>
-                <a:latin typeface="+mn-lt"/>
-                <a:ea typeface="+mn-ea"/>
-                <a:cs typeface="+mn-cs"/>
-              </a:defRPr>
-            </a:lvl2pPr>
-            <a:lvl3pPr marL="1143000" indent="-228600" algn="l" defTabSz="914400" rtl="0" eaLnBrk="1" latinLnBrk="0" hangingPunct="1">
-              <a:lnSpc>
-                <a:spcPct val="90000"/>
-              </a:lnSpc>
-              <a:spcBef>
-                <a:spcPts val="500"/>
-              </a:spcBef>
-              <a:buFont typeface="Arial" panose="020B0604020202020204" pitchFamily="34" charset="0"/>
-              <a:buChar char="•"/>
-              <a:defRPr sz="2000" kern="1200">
-                <a:solidFill>
-                  <a:schemeClr val="tx1"/>
-                </a:solidFill>
-                <a:latin typeface="+mn-lt"/>
-                <a:ea typeface="+mn-ea"/>
-                <a:cs typeface="+mn-cs"/>
-              </a:defRPr>
-            </a:lvl3pPr>
-            <a:lvl4pPr marL="1600200" indent="-228600" algn="l" defTabSz="914400" rtl="0" eaLnBrk="1" latinLnBrk="0" hangingPunct="1">
-              <a:lnSpc>
-                <a:spcPct val="90000"/>
-              </a:lnSpc>
-              <a:spcBef>
-                <a:spcPts val="500"/>
-              </a:spcBef>
-              <a:buFont typeface="Arial" panose="020B0604020202020204" pitchFamily="34" charset="0"/>
-              <a:buChar char="•"/>
-              <a:defRPr sz="1800" kern="1200">
-                <a:solidFill>
-                  <a:schemeClr val="tx1"/>
-                </a:solidFill>
-                <a:latin typeface="+mn-lt"/>
-                <a:ea typeface="+mn-ea"/>
-                <a:cs typeface="+mn-cs"/>
-              </a:defRPr>
-            </a:lvl4pPr>
-            <a:lvl5pPr marL="2057400" indent="-228600" algn="l" defTabSz="914400" rtl="0" eaLnBrk="1" latinLnBrk="0" hangingPunct="1">
-              <a:lnSpc>
-                <a:spcPct val="90000"/>
-              </a:lnSpc>
-              <a:spcBef>
-                <a:spcPts val="500"/>
-              </a:spcBef>
-              <a:buFont typeface="Arial" panose="020B0604020202020204" pitchFamily="34" charset="0"/>
-              <a:buChar char="•"/>
-              <a:defRPr sz="1800" kern="1200">
-                <a:solidFill>
-                  <a:schemeClr val="tx1"/>
-                </a:solidFill>
-                <a:latin typeface="+mn-lt"/>
-                <a:ea typeface="+mn-ea"/>
-                <a:cs typeface="+mn-cs"/>
-              </a:defRPr>
-            </a:lvl5pPr>
-            <a:lvl6pPr marL="2514600" indent="-228600" algn="l" defTabSz="914400" rtl="0" eaLnBrk="1" latinLnBrk="0" hangingPunct="1">
-              <a:lnSpc>
-                <a:spcPct val="90000"/>
-              </a:lnSpc>
-              <a:spcBef>
-                <a:spcPts val="500"/>
-              </a:spcBef>
-              <a:buFont typeface="Arial" panose="020B0604020202020204" pitchFamily="34" charset="0"/>
-              <a:buChar char="•"/>
-              <a:defRPr sz="1800" kern="1200">
-                <a:solidFill>
-                  <a:schemeClr val="tx1"/>
-                </a:solidFill>
-                <a:latin typeface="+mn-lt"/>
-                <a:ea typeface="+mn-ea"/>
-                <a:cs typeface="+mn-cs"/>
-              </a:defRPr>
-            </a:lvl6pPr>
-            <a:lvl7pPr marL="2971800" indent="-228600" algn="l" defTabSz="914400" rtl="0" eaLnBrk="1" latinLnBrk="0" hangingPunct="1">
-              <a:lnSpc>
-                <a:spcPct val="90000"/>
-              </a:lnSpc>
-              <a:spcBef>
-                <a:spcPts val="500"/>
-              </a:spcBef>
-              <a:buFont typeface="Arial" panose="020B0604020202020204" pitchFamily="34" charset="0"/>
-              <a:buChar char="•"/>
-              <a:defRPr sz="1800" kern="1200">
-                <a:solidFill>
-                  <a:schemeClr val="tx1"/>
-                </a:solidFill>
-                <a:latin typeface="+mn-lt"/>
-                <a:ea typeface="+mn-ea"/>
-                <a:cs typeface="+mn-cs"/>
-              </a:defRPr>
-            </a:lvl7pPr>
-            <a:lvl8pPr marL="3429000" indent="-228600" algn="l" defTabSz="914400" rtl="0" eaLnBrk="1" latinLnBrk="0" hangingPunct="1">
-              <a:lnSpc>
-                <a:spcPct val="90000"/>
-              </a:lnSpc>
-              <a:spcBef>
-                <a:spcPts val="500"/>
-              </a:spcBef>
-              <a:buFont typeface="Arial" panose="020B0604020202020204" pitchFamily="34" charset="0"/>
-              <a:buChar char="•"/>
-              <a:defRPr sz="1800" kern="1200">
-                <a:solidFill>
-                  <a:schemeClr val="tx1"/>
-                </a:solidFill>
-                <a:latin typeface="+mn-lt"/>
-                <a:ea typeface="+mn-ea"/>
-                <a:cs typeface="+mn-cs"/>
-              </a:defRPr>
-            </a:lvl8pPr>
-            <a:lvl9pPr marL="3886200" indent="-228600" algn="l" defTabSz="914400" rtl="0" eaLnBrk="1" latinLnBrk="0" hangingPunct="1">
-              <a:lnSpc>
-                <a:spcPct val="90000"/>
-              </a:lnSpc>
-              <a:spcBef>
-                <a:spcPts val="500"/>
-              </a:spcBef>
-              <a:buFont typeface="Arial" panose="020B0604020202020204" pitchFamily="34" charset="0"/>
-              <a:buChar char="•"/>
-              <a:defRPr sz="1800" kern="1200">
-                <a:solidFill>
-                  <a:schemeClr val="tx1"/>
-                </a:solidFill>
-                <a:latin typeface="+mn-lt"/>
-                <a:ea typeface="+mn-ea"/>
-                <a:cs typeface="+mn-cs"/>
-              </a:defRPr>
-            </a:lvl9pPr>
-          </a:lstStyle>
-          <a:p>
-            <a:pPr marL="0" indent="0" algn="ctr">
-              <a:buFont typeface="Arial" panose="020B0604020202020204" pitchFamily="34" charset="0"/>
-              <a:buNone/>
-            </a:pPr>
-            <a:r>
-              <a:rPr lang="en-US" dirty="0" smtClean="0">
-                <a:solidFill>
-                  <a:schemeClr val="accent4">
-                    <a:lumMod val="60000"/>
-                    <a:lumOff val="40000"/>
-                  </a:schemeClr>
-                </a:solidFill>
-                <a:latin typeface="Star Jedi" panose="040B0000000000000000" pitchFamily="82" charset="0"/>
-              </a:rPr>
-              <a:t>hard</a:t>
-            </a:r>
-            <a:endParaRPr lang="en-US" dirty="0"/>
-          </a:p>
-        </p:txBody>
-      </p:sp>
-      <p:sp>
-        <p:nvSpPr>
-          <p:cNvPr id="5" name="Marcador de contenido 2"/>
-          <p:cNvSpPr txBox="1">
-            <a:spLocks/>
-          </p:cNvSpPr>
+      </p:pic>
+      <p:sp>
+        <p:nvSpPr>
+          <p:cNvPr id="4" name="Flecha derecha 3"/>
+          <p:cNvSpPr/>
           <p:nvPr/>
         </p:nvSpPr>
         <p:spPr>
           <a:xfrm>
-            <a:off x="9128760" y="3710464"/>
-            <a:ext cx="1798320" cy="1577816"/>
+            <a:off x="11213592" y="5746644"/>
+            <a:ext cx="978408" cy="1111356"/>
           </a:xfrm>
-          <a:prstGeom prst="rect">
-            <a:avLst/>
-          </a:prstGeom>
-        </p:spPr>
-        <p:txBody>
-          <a:bodyPr vert="horz" lIns="91440" tIns="45720" rIns="91440" bIns="45720" rtlCol="0">
-            <a:normAutofit/>
-          </a:bodyPr>
-          <a:lstStyle>
-            <a:lvl1pPr marL="228600" indent="-228600" algn="l" defTabSz="914400" rtl="0" eaLnBrk="1" latinLnBrk="0" hangingPunct="1">
-              <a:lnSpc>
-                <a:spcPct val="90000"/>
-              </a:lnSpc>
-              <a:spcBef>
-                <a:spcPts val="1000"/>
-              </a:spcBef>
-              <a:buFont typeface="Arial" panose="020B0604020202020204" pitchFamily="34" charset="0"/>
-              <a:buChar char="•"/>
-              <a:defRPr sz="2800" kern="1200">
-                <a:solidFill>
-                  <a:schemeClr val="tx1"/>
-                </a:solidFill>
-                <a:latin typeface="+mn-lt"/>
-                <a:ea typeface="+mn-ea"/>
-                <a:cs typeface="+mn-cs"/>
-              </a:defRPr>
-            </a:lvl1pPr>
-            <a:lvl2pPr marL="685800" indent="-228600" algn="l" defTabSz="914400" rtl="0" eaLnBrk="1" latinLnBrk="0" hangingPunct="1">
-              <a:lnSpc>
-                <a:spcPct val="90000"/>
-              </a:lnSpc>
-              <a:spcBef>
-                <a:spcPts val="500"/>
-              </a:spcBef>
-              <a:buFont typeface="Arial" panose="020B0604020202020204" pitchFamily="34" charset="0"/>
-              <a:buChar char="•"/>
-              <a:defRPr sz="2400" kern="1200">
-                <a:solidFill>
-                  <a:schemeClr val="tx1"/>
-                </a:solidFill>
-                <a:latin typeface="+mn-lt"/>
-                <a:ea typeface="+mn-ea"/>
-                <a:cs typeface="+mn-cs"/>
-              </a:defRPr>
-            </a:lvl2pPr>
-            <a:lvl3pPr marL="1143000" indent="-228600" algn="l" defTabSz="914400" rtl="0" eaLnBrk="1" latinLnBrk="0" hangingPunct="1">
-              <a:lnSpc>
-                <a:spcPct val="90000"/>
-              </a:lnSpc>
-              <a:spcBef>
-                <a:spcPts val="500"/>
-              </a:spcBef>
-              <a:buFont typeface="Arial" panose="020B0604020202020204" pitchFamily="34" charset="0"/>
-              <a:buChar char="•"/>
-              <a:defRPr sz="2000" kern="1200">
-                <a:solidFill>
-                  <a:schemeClr val="tx1"/>
-                </a:solidFill>
-                <a:latin typeface="+mn-lt"/>
-                <a:ea typeface="+mn-ea"/>
-                <a:cs typeface="+mn-cs"/>
-              </a:defRPr>
-            </a:lvl3pPr>
-            <a:lvl4pPr marL="1600200" indent="-228600" algn="l" defTabSz="914400" rtl="0" eaLnBrk="1" latinLnBrk="0" hangingPunct="1">
-              <a:lnSpc>
-                <a:spcPct val="90000"/>
-              </a:lnSpc>
-              <a:spcBef>
-                <a:spcPts val="500"/>
-              </a:spcBef>
-              <a:buFont typeface="Arial" panose="020B0604020202020204" pitchFamily="34" charset="0"/>
-              <a:buChar char="•"/>
-              <a:defRPr sz="1800" kern="1200">
-                <a:solidFill>
-                  <a:schemeClr val="tx1"/>
-                </a:solidFill>
-                <a:latin typeface="+mn-lt"/>
-                <a:ea typeface="+mn-ea"/>
-                <a:cs typeface="+mn-cs"/>
-              </a:defRPr>
-            </a:lvl4pPr>
-            <a:lvl5pPr marL="2057400" indent="-228600" algn="l" defTabSz="914400" rtl="0" eaLnBrk="1" latinLnBrk="0" hangingPunct="1">
-              <a:lnSpc>
-                <a:spcPct val="90000"/>
-              </a:lnSpc>
-              <a:spcBef>
-                <a:spcPts val="500"/>
-              </a:spcBef>
-              <a:buFont typeface="Arial" panose="020B0604020202020204" pitchFamily="34" charset="0"/>
-              <a:buChar char="•"/>
-              <a:defRPr sz="1800" kern="1200">
-                <a:solidFill>
-                  <a:schemeClr val="tx1"/>
-                </a:solidFill>
-                <a:latin typeface="+mn-lt"/>
-                <a:ea typeface="+mn-ea"/>
-                <a:cs typeface="+mn-cs"/>
-              </a:defRPr>
-            </a:lvl5pPr>
-            <a:lvl6pPr marL="2514600" indent="-228600" algn="l" defTabSz="914400" rtl="0" eaLnBrk="1" latinLnBrk="0" hangingPunct="1">
-              <a:lnSpc>
-                <a:spcPct val="90000"/>
-              </a:lnSpc>
-              <a:spcBef>
-                <a:spcPts val="500"/>
-              </a:spcBef>
-              <a:buFont typeface="Arial" panose="020B0604020202020204" pitchFamily="34" charset="0"/>
-              <a:buChar char="•"/>
-              <a:defRPr sz="1800" kern="1200">
-                <a:solidFill>
-                  <a:schemeClr val="tx1"/>
-                </a:solidFill>
-                <a:latin typeface="+mn-lt"/>
-                <a:ea typeface="+mn-ea"/>
-                <a:cs typeface="+mn-cs"/>
-              </a:defRPr>
-            </a:lvl6pPr>
-            <a:lvl7pPr marL="2971800" indent="-228600" algn="l" defTabSz="914400" rtl="0" eaLnBrk="1" latinLnBrk="0" hangingPunct="1">
-              <a:lnSpc>
-                <a:spcPct val="90000"/>
-              </a:lnSpc>
-              <a:spcBef>
-                <a:spcPts val="500"/>
-              </a:spcBef>
-              <a:buFont typeface="Arial" panose="020B0604020202020204" pitchFamily="34" charset="0"/>
-              <a:buChar char="•"/>
-              <a:defRPr sz="1800" kern="1200">
-                <a:solidFill>
-                  <a:schemeClr val="tx1"/>
-                </a:solidFill>
-                <a:latin typeface="+mn-lt"/>
-                <a:ea typeface="+mn-ea"/>
-                <a:cs typeface="+mn-cs"/>
-              </a:defRPr>
-            </a:lvl7pPr>
-            <a:lvl8pPr marL="3429000" indent="-228600" algn="l" defTabSz="914400" rtl="0" eaLnBrk="1" latinLnBrk="0" hangingPunct="1">
-              <a:lnSpc>
-                <a:spcPct val="90000"/>
-              </a:lnSpc>
-              <a:spcBef>
-                <a:spcPts val="500"/>
-              </a:spcBef>
-              <a:buFont typeface="Arial" panose="020B0604020202020204" pitchFamily="34" charset="0"/>
-              <a:buChar char="•"/>
-              <a:defRPr sz="1800" kern="1200">
-                <a:solidFill>
-                  <a:schemeClr val="tx1"/>
-                </a:solidFill>
-                <a:latin typeface="+mn-lt"/>
-                <a:ea typeface="+mn-ea"/>
-                <a:cs typeface="+mn-cs"/>
-              </a:defRPr>
-            </a:lvl8pPr>
-            <a:lvl9pPr marL="3886200" indent="-228600" algn="l" defTabSz="914400" rtl="0" eaLnBrk="1" latinLnBrk="0" hangingPunct="1">
-              <a:lnSpc>
-                <a:spcPct val="90000"/>
-              </a:lnSpc>
-              <a:spcBef>
-                <a:spcPts val="500"/>
-              </a:spcBef>
-              <a:buFont typeface="Arial" panose="020B0604020202020204" pitchFamily="34" charset="0"/>
-              <a:buChar char="•"/>
-              <a:defRPr sz="1800" kern="1200">
-                <a:solidFill>
-                  <a:schemeClr val="tx1"/>
-                </a:solidFill>
-                <a:latin typeface="+mn-lt"/>
-                <a:ea typeface="+mn-ea"/>
-                <a:cs typeface="+mn-cs"/>
-              </a:defRPr>
-            </a:lvl9pPr>
-          </a:lstStyle>
-          <a:p>
-            <a:pPr marL="0" indent="0" algn="ctr">
-              <a:buFont typeface="Arial" panose="020B0604020202020204" pitchFamily="34" charset="0"/>
-              <a:buNone/>
-            </a:pPr>
-            <a:r>
-              <a:rPr lang="en-US" dirty="0" smtClean="0">
-                <a:solidFill>
-                  <a:schemeClr val="accent4">
-                    <a:lumMod val="60000"/>
-                    <a:lumOff val="40000"/>
-                  </a:schemeClr>
-                </a:solidFill>
-                <a:latin typeface="Star Jedi" panose="040B0000000000000000" pitchFamily="82" charset="0"/>
-              </a:rPr>
-              <a:t>medium</a:t>
-            </a:r>
-            <a:endParaRPr lang="en-US" dirty="0"/>
-          </a:p>
-        </p:txBody>
-      </p:sp>
-      <p:sp>
-        <p:nvSpPr>
-          <p:cNvPr id="7" name="Marcador de contenido 2"/>
-          <p:cNvSpPr txBox="1">
-            <a:spLocks/>
-          </p:cNvSpPr>
-          <p:nvPr/>
-        </p:nvSpPr>
-        <p:spPr>
-          <a:xfrm>
-            <a:off x="8702040" y="6060440"/>
-            <a:ext cx="2651760" cy="741680"/>
-          </a:xfrm>
-          <a:prstGeom prst="rect">
-            <a:avLst/>
-          </a:prstGeom>
-        </p:spPr>
-        <p:txBody>
-          <a:bodyPr vert="horz" lIns="91440" tIns="45720" rIns="91440" bIns="45720" rtlCol="0">
-            <a:normAutofit/>
-          </a:bodyPr>
-          <a:lstStyle>
-            <a:lvl1pPr marL="228600" indent="-228600" algn="l" defTabSz="914400" rtl="0" eaLnBrk="1" latinLnBrk="0" hangingPunct="1">
-              <a:lnSpc>
-                <a:spcPct val="90000"/>
-              </a:lnSpc>
-              <a:spcBef>
-                <a:spcPts val="1000"/>
-              </a:spcBef>
-              <a:buFont typeface="Arial" panose="020B0604020202020204" pitchFamily="34" charset="0"/>
-              <a:buChar char="•"/>
-              <a:defRPr sz="2800" kern="1200">
-                <a:solidFill>
-                  <a:schemeClr val="tx1"/>
-                </a:solidFill>
-                <a:latin typeface="+mn-lt"/>
-                <a:ea typeface="+mn-ea"/>
-                <a:cs typeface="+mn-cs"/>
-              </a:defRPr>
-            </a:lvl1pPr>
-            <a:lvl2pPr marL="685800" indent="-228600" algn="l" defTabSz="914400" rtl="0" eaLnBrk="1" latinLnBrk="0" hangingPunct="1">
-              <a:lnSpc>
-                <a:spcPct val="90000"/>
-              </a:lnSpc>
-              <a:spcBef>
-                <a:spcPts val="500"/>
-              </a:spcBef>
-              <a:buFont typeface="Arial" panose="020B0604020202020204" pitchFamily="34" charset="0"/>
-              <a:buChar char="•"/>
-              <a:defRPr sz="2400" kern="1200">
-                <a:solidFill>
-                  <a:schemeClr val="tx1"/>
-                </a:solidFill>
-                <a:latin typeface="+mn-lt"/>
-                <a:ea typeface="+mn-ea"/>
-                <a:cs typeface="+mn-cs"/>
-              </a:defRPr>
-            </a:lvl2pPr>
-            <a:lvl3pPr marL="1143000" indent="-228600" algn="l" defTabSz="914400" rtl="0" eaLnBrk="1" latinLnBrk="0" hangingPunct="1">
-              <a:lnSpc>
-                <a:spcPct val="90000"/>
-              </a:lnSpc>
-              <a:spcBef>
-                <a:spcPts val="500"/>
-              </a:spcBef>
-              <a:buFont typeface="Arial" panose="020B0604020202020204" pitchFamily="34" charset="0"/>
-              <a:buChar char="•"/>
-              <a:defRPr sz="2000" kern="1200">
-                <a:solidFill>
-                  <a:schemeClr val="tx1"/>
-                </a:solidFill>
-                <a:latin typeface="+mn-lt"/>
-                <a:ea typeface="+mn-ea"/>
-                <a:cs typeface="+mn-cs"/>
-              </a:defRPr>
-            </a:lvl3pPr>
-            <a:lvl4pPr marL="1600200" indent="-228600" algn="l" defTabSz="914400" rtl="0" eaLnBrk="1" latinLnBrk="0" hangingPunct="1">
-              <a:lnSpc>
-                <a:spcPct val="90000"/>
-              </a:lnSpc>
-              <a:spcBef>
-                <a:spcPts val="500"/>
-              </a:spcBef>
-              <a:buFont typeface="Arial" panose="020B0604020202020204" pitchFamily="34" charset="0"/>
-              <a:buChar char="•"/>
-              <a:defRPr sz="1800" kern="1200">
-                <a:solidFill>
-                  <a:schemeClr val="tx1"/>
-                </a:solidFill>
-                <a:latin typeface="+mn-lt"/>
-                <a:ea typeface="+mn-ea"/>
-                <a:cs typeface="+mn-cs"/>
-              </a:defRPr>
-            </a:lvl4pPr>
-            <a:lvl5pPr marL="2057400" indent="-228600" algn="l" defTabSz="914400" rtl="0" eaLnBrk="1" latinLnBrk="0" hangingPunct="1">
-              <a:lnSpc>
-                <a:spcPct val="90000"/>
-              </a:lnSpc>
-              <a:spcBef>
-                <a:spcPts val="500"/>
-              </a:spcBef>
-              <a:buFont typeface="Arial" panose="020B0604020202020204" pitchFamily="34" charset="0"/>
-              <a:buChar char="•"/>
-              <a:defRPr sz="1800" kern="1200">
-                <a:solidFill>
-                  <a:schemeClr val="tx1"/>
-                </a:solidFill>
-                <a:latin typeface="+mn-lt"/>
-                <a:ea typeface="+mn-ea"/>
-                <a:cs typeface="+mn-cs"/>
-              </a:defRPr>
-            </a:lvl5pPr>
-            <a:lvl6pPr marL="2514600" indent="-228600" algn="l" defTabSz="914400" rtl="0" eaLnBrk="1" latinLnBrk="0" hangingPunct="1">
-              <a:lnSpc>
-                <a:spcPct val="90000"/>
-              </a:lnSpc>
-              <a:spcBef>
-                <a:spcPts val="500"/>
-              </a:spcBef>
-              <a:buFont typeface="Arial" panose="020B0604020202020204" pitchFamily="34" charset="0"/>
-              <a:buChar char="•"/>
-              <a:defRPr sz="1800" kern="1200">
-                <a:solidFill>
-                  <a:schemeClr val="tx1"/>
-                </a:solidFill>
-                <a:latin typeface="+mn-lt"/>
-                <a:ea typeface="+mn-ea"/>
-                <a:cs typeface="+mn-cs"/>
-              </a:defRPr>
-            </a:lvl6pPr>
-            <a:lvl7pPr marL="2971800" indent="-228600" algn="l" defTabSz="914400" rtl="0" eaLnBrk="1" latinLnBrk="0" hangingPunct="1">
-              <a:lnSpc>
-                <a:spcPct val="90000"/>
-              </a:lnSpc>
-              <a:spcBef>
-                <a:spcPts val="500"/>
-              </a:spcBef>
-              <a:buFont typeface="Arial" panose="020B0604020202020204" pitchFamily="34" charset="0"/>
-              <a:buChar char="•"/>
-              <a:defRPr sz="1800" kern="1200">
-                <a:solidFill>
-                  <a:schemeClr val="tx1"/>
-                </a:solidFill>
-                <a:latin typeface="+mn-lt"/>
-                <a:ea typeface="+mn-ea"/>
-                <a:cs typeface="+mn-cs"/>
-              </a:defRPr>
-            </a:lvl7pPr>
-            <a:lvl8pPr marL="3429000" indent="-228600" algn="l" defTabSz="914400" rtl="0" eaLnBrk="1" latinLnBrk="0" hangingPunct="1">
-              <a:lnSpc>
-                <a:spcPct val="90000"/>
-              </a:lnSpc>
-              <a:spcBef>
-                <a:spcPts val="500"/>
-              </a:spcBef>
-              <a:buFont typeface="Arial" panose="020B0604020202020204" pitchFamily="34" charset="0"/>
-              <a:buChar char="•"/>
-              <a:defRPr sz="1800" kern="1200">
-                <a:solidFill>
-                  <a:schemeClr val="tx1"/>
-                </a:solidFill>
-                <a:latin typeface="+mn-lt"/>
-                <a:ea typeface="+mn-ea"/>
-                <a:cs typeface="+mn-cs"/>
-              </a:defRPr>
-            </a:lvl8pPr>
-            <a:lvl9pPr marL="3886200" indent="-228600" algn="l" defTabSz="914400" rtl="0" eaLnBrk="1" latinLnBrk="0" hangingPunct="1">
-              <a:lnSpc>
-                <a:spcPct val="90000"/>
-              </a:lnSpc>
-              <a:spcBef>
-                <a:spcPts val="500"/>
-              </a:spcBef>
-              <a:buFont typeface="Arial" panose="020B0604020202020204" pitchFamily="34" charset="0"/>
-              <a:buChar char="•"/>
-              <a:defRPr sz="1800" kern="1200">
-                <a:solidFill>
-                  <a:schemeClr val="tx1"/>
-                </a:solidFill>
-                <a:latin typeface="+mn-lt"/>
-                <a:ea typeface="+mn-ea"/>
-                <a:cs typeface="+mn-cs"/>
-              </a:defRPr>
-            </a:lvl9pPr>
-          </a:lstStyle>
-          <a:p>
-            <a:pPr marL="0" indent="0" algn="ctr">
-              <a:buFont typeface="Arial" panose="020B0604020202020204" pitchFamily="34" charset="0"/>
-              <a:buNone/>
-            </a:pPr>
-            <a:r>
-              <a:rPr lang="en-US" dirty="0" smtClean="0">
-                <a:solidFill>
-                  <a:schemeClr val="accent4">
-                    <a:lumMod val="60000"/>
-                    <a:lumOff val="40000"/>
-                  </a:schemeClr>
-                </a:solidFill>
-                <a:latin typeface="Star Jedi" panose="040B0000000000000000" pitchFamily="82" charset="0"/>
-              </a:rPr>
-              <a:t>Extreme</a:t>
-            </a:r>
-            <a:endParaRPr lang="en-US" dirty="0"/>
-          </a:p>
-        </p:txBody>
-      </p:sp>
-      <p:sp>
-        <p:nvSpPr>
-          <p:cNvPr id="8" name="Flecha izquierda 7">
-            <a:hlinkClick r:id="rId2" action="ppaction://hlinksldjump"/>
-          </p:cNvPr>
-          <p:cNvSpPr/>
-          <p:nvPr/>
-        </p:nvSpPr>
-        <p:spPr>
-          <a:xfrm>
-            <a:off x="838200" y="365125"/>
-            <a:ext cx="680720" cy="751840"/>
-          </a:xfrm>
-          <a:prstGeom prst="leftArrow">
+          <a:prstGeom prst="rightArrow">
             <a:avLst/>
           </a:prstGeom>
         </p:spPr>
@@ -5079,7 +4721,7 @@
     </p:spTree>
     <p:extLst>
       <p:ext uri="{BB962C8B-B14F-4D97-AF65-F5344CB8AC3E}">
-        <p14:creationId xmlns:p14="http://schemas.microsoft.com/office/powerpoint/2010/main" val="26393983"/>
+        <p14:creationId xmlns:p14="http://schemas.microsoft.com/office/powerpoint/2010/main" val="4155445442"/>
       </p:ext>
     </p:extLst>
   </p:cSld>
@@ -5113,10 +4755,270 @@
           <a:chExt cx="0" cy="0"/>
         </a:xfrm>
       </p:grpSpPr>
+      <p:pic>
+        <p:nvPicPr>
+          <p:cNvPr id="2" name="Imagen 1"/>
+          <p:cNvPicPr>
+            <a:picLocks noChangeAspect="1"/>
+          </p:cNvPicPr>
+          <p:nvPr/>
+        </p:nvPicPr>
+        <p:blipFill>
+          <a:blip r:embed="rId2">
+            <a:extLst>
+              <a:ext uri="{28A0092B-C50C-407E-A947-70E740481C1C}">
+                <a14:useLocalDpi xmlns:a14="http://schemas.microsoft.com/office/drawing/2010/main" val="0"/>
+              </a:ext>
+            </a:extLst>
+          </a:blip>
+          <a:stretch>
+            <a:fillRect/>
+          </a:stretch>
+        </p:blipFill>
+        <p:spPr>
+          <a:xfrm>
+            <a:off x="0" y="0"/>
+            <a:ext cx="12192000" cy="6858000"/>
+          </a:xfrm>
+          <a:prstGeom prst="rect">
+            <a:avLst/>
+          </a:prstGeom>
+        </p:spPr>
+      </p:pic>
+      <p:pic>
+        <p:nvPicPr>
+          <p:cNvPr id="3" name="Imagen 2"/>
+          <p:cNvPicPr>
+            <a:picLocks noChangeAspect="1"/>
+          </p:cNvPicPr>
+          <p:nvPr/>
+        </p:nvPicPr>
+        <p:blipFill>
+          <a:blip r:embed="rId3">
+            <a:extLst>
+              <a:ext uri="{28A0092B-C50C-407E-A947-70E740481C1C}">
+                <a14:useLocalDpi xmlns:a14="http://schemas.microsoft.com/office/drawing/2010/main" val="0"/>
+              </a:ext>
+            </a:extLst>
+          </a:blip>
+          <a:stretch>
+            <a:fillRect/>
+          </a:stretch>
+        </p:blipFill>
+        <p:spPr>
+          <a:xfrm>
+            <a:off x="3715047" y="2000428"/>
+            <a:ext cx="4761905" cy="2857143"/>
+          </a:xfrm>
+          <a:prstGeom prst="rect">
+            <a:avLst/>
+          </a:prstGeom>
+        </p:spPr>
+      </p:pic>
+      <p:sp>
+        <p:nvSpPr>
+          <p:cNvPr id="4" name="Rectángulo 3"/>
+          <p:cNvSpPr/>
+          <p:nvPr/>
+        </p:nvSpPr>
+        <p:spPr>
+          <a:xfrm>
+            <a:off x="4195478" y="2146477"/>
+            <a:ext cx="3801041" cy="2585323"/>
+          </a:xfrm>
+          <a:prstGeom prst="rect">
+            <a:avLst/>
+          </a:prstGeom>
+        </p:spPr>
+        <p:txBody>
+          <a:bodyPr wrap="none">
+            <a:spAutoFit/>
+          </a:bodyPr>
+          <a:lstStyle/>
+          <a:p>
+            <a:pPr algn="ctr"/>
+            <a:r>
+              <a:rPr lang="en-US" dirty="0" smtClean="0">
+                <a:solidFill>
+                  <a:schemeClr val="accent4">
+                    <a:lumMod val="60000"/>
+                    <a:lumOff val="40000"/>
+                  </a:schemeClr>
+                </a:solidFill>
+                <a:latin typeface="Star Jedi" panose="040B0000000000000000" pitchFamily="82" charset="0"/>
+              </a:rPr>
+              <a:t>Pause</a:t>
+            </a:r>
+          </a:p>
+          <a:p>
+            <a:pPr algn="ctr"/>
+            <a:endParaRPr lang="en-US" dirty="0" smtClean="0"/>
+          </a:p>
+          <a:p>
+            <a:pPr algn="ctr"/>
+            <a:r>
+              <a:rPr lang="en-US" dirty="0" smtClean="0">
+                <a:solidFill>
+                  <a:schemeClr val="accent4">
+                    <a:lumMod val="60000"/>
+                    <a:lumOff val="40000"/>
+                  </a:schemeClr>
+                </a:solidFill>
+                <a:latin typeface="Star Jedi" panose="040B0000000000000000" pitchFamily="82" charset="0"/>
+              </a:rPr>
+              <a:t>Press “</a:t>
+            </a:r>
+            <a:r>
+              <a:rPr lang="en-US" dirty="0" err="1" smtClean="0">
+                <a:solidFill>
+                  <a:schemeClr val="accent4">
+                    <a:lumMod val="60000"/>
+                    <a:lumOff val="40000"/>
+                  </a:schemeClr>
+                </a:solidFill>
+                <a:latin typeface="Star Jedi" panose="040B0000000000000000" pitchFamily="82" charset="0"/>
+              </a:rPr>
+              <a:t>i</a:t>
+            </a:r>
+            <a:r>
+              <a:rPr lang="en-US" dirty="0" smtClean="0">
+                <a:solidFill>
+                  <a:schemeClr val="accent4">
+                    <a:lumMod val="60000"/>
+                    <a:lumOff val="40000"/>
+                  </a:schemeClr>
+                </a:solidFill>
+                <a:latin typeface="Star Jedi" panose="040B0000000000000000" pitchFamily="82" charset="0"/>
+              </a:rPr>
+              <a:t>” for instructions</a:t>
+            </a:r>
+            <a:endParaRPr lang="en-US" dirty="0"/>
+          </a:p>
+          <a:p>
+            <a:pPr algn="ctr"/>
+            <a:r>
+              <a:rPr lang="en-US" dirty="0" smtClean="0">
+                <a:solidFill>
+                  <a:schemeClr val="accent4">
+                    <a:lumMod val="60000"/>
+                    <a:lumOff val="40000"/>
+                  </a:schemeClr>
+                </a:solidFill>
+                <a:latin typeface="Star Jedi" panose="040B0000000000000000" pitchFamily="82" charset="0"/>
+              </a:rPr>
+              <a:t>Press “m” to mute music</a:t>
+            </a:r>
+          </a:p>
+          <a:p>
+            <a:pPr algn="ctr"/>
+            <a:r>
+              <a:rPr lang="en-US" dirty="0" smtClean="0">
+                <a:solidFill>
+                  <a:schemeClr val="accent4">
+                    <a:lumMod val="60000"/>
+                    <a:lumOff val="40000"/>
+                  </a:schemeClr>
+                </a:solidFill>
+                <a:latin typeface="Star Jedi" panose="040B0000000000000000" pitchFamily="82" charset="0"/>
+              </a:rPr>
+              <a:t>Press “f” to mute sounds</a:t>
+            </a:r>
+          </a:p>
+          <a:p>
+            <a:pPr algn="ctr"/>
+            <a:r>
+              <a:rPr lang="en-US" dirty="0" smtClean="0">
+                <a:solidFill>
+                  <a:schemeClr val="accent4">
+                    <a:lumMod val="60000"/>
+                    <a:lumOff val="40000"/>
+                  </a:schemeClr>
+                </a:solidFill>
+                <a:latin typeface="Star Jedi" panose="040B0000000000000000" pitchFamily="82" charset="0"/>
+              </a:rPr>
+              <a:t>Press “q” to quit</a:t>
+            </a:r>
+          </a:p>
+          <a:p>
+            <a:pPr algn="ctr"/>
+            <a:r>
+              <a:rPr lang="en-US" dirty="0" smtClean="0">
+                <a:solidFill>
+                  <a:schemeClr val="accent4">
+                    <a:lumMod val="60000"/>
+                    <a:lumOff val="40000"/>
+                  </a:schemeClr>
+                </a:solidFill>
+                <a:latin typeface="Star Jedi" panose="040B0000000000000000" pitchFamily="82" charset="0"/>
+              </a:rPr>
+              <a:t>Press “s” to save state</a:t>
+            </a:r>
+          </a:p>
+          <a:p>
+            <a:pPr algn="ctr"/>
+            <a:r>
+              <a:rPr lang="en-US" dirty="0" smtClean="0">
+                <a:solidFill>
+                  <a:schemeClr val="accent4">
+                    <a:lumMod val="60000"/>
+                    <a:lumOff val="40000"/>
+                  </a:schemeClr>
+                </a:solidFill>
+                <a:latin typeface="Star Jedi" panose="040B0000000000000000" pitchFamily="82" charset="0"/>
+              </a:rPr>
+              <a:t>Press “L” to load state</a:t>
+            </a:r>
+          </a:p>
+          <a:p>
+            <a:pPr algn="ctr"/>
+            <a:endParaRPr lang="en-US" dirty="0"/>
+          </a:p>
+        </p:txBody>
+      </p:sp>
+      <p:sp>
+        <p:nvSpPr>
+          <p:cNvPr id="5" name="Flecha derecha 4"/>
+          <p:cNvSpPr/>
+          <p:nvPr/>
+        </p:nvSpPr>
+        <p:spPr>
+          <a:xfrm>
+            <a:off x="11213592" y="5746644"/>
+            <a:ext cx="978408" cy="1111356"/>
+          </a:xfrm>
+          <a:prstGeom prst="rightArrow">
+            <a:avLst/>
+          </a:prstGeom>
+        </p:spPr>
+        <p:style>
+          <a:lnRef idx="2">
+            <a:schemeClr val="accent1">
+              <a:shade val="50000"/>
+            </a:schemeClr>
+          </a:lnRef>
+          <a:fillRef idx="1">
+            <a:schemeClr val="accent1"/>
+          </a:fillRef>
+          <a:effectRef idx="0">
+            <a:schemeClr val="accent1"/>
+          </a:effectRef>
+          <a:fontRef idx="minor">
+            <a:schemeClr val="lt1"/>
+          </a:fontRef>
+        </p:style>
+        <p:txBody>
+          <a:bodyPr rtlCol="0" anchor="ctr"/>
+          <a:lstStyle/>
+          <a:p>
+            <a:pPr algn="ctr"/>
+            <a:endParaRPr lang="en-US"/>
+          </a:p>
+        </p:txBody>
+      </p:sp>
     </p:spTree>
     <p:extLst>
       <p:ext uri="{BB962C8B-B14F-4D97-AF65-F5344CB8AC3E}">
-        <p14:creationId xmlns:p14="http://schemas.microsoft.com/office/powerpoint/2010/main" val="4155445442"/>
+        <p14:creationId xmlns:p14="http://schemas.microsoft.com/office/powerpoint/2010/main" val="3510493183"/>
       </p:ext>
     </p:extLst>
   </p:cSld>
@@ -5150,80 +5052,166 @@
           <a:chExt cx="0" cy="0"/>
         </a:xfrm>
       </p:grpSpPr>
-    </p:spTree>
-    <p:extLst>
-      <p:ext uri="{BB962C8B-B14F-4D97-AF65-F5344CB8AC3E}">
-        <p14:creationId xmlns:p14="http://schemas.microsoft.com/office/powerpoint/2010/main" val="2351225962"/>
-      </p:ext>
-    </p:extLst>
-  </p:cSld>
-  <p:clrMapOvr>
-    <a:masterClrMapping/>
-  </p:clrMapOvr>
-  <p:timing>
-    <p:tnLst>
-      <p:par>
-        <p:cTn id="1" dur="indefinite" restart="never" nodeType="tmRoot"/>
-      </p:par>
-    </p:tnLst>
-  </p:timing>
-</p:sld>
-</file>
-
-<file path=ppt/slides/slide7.xml><?xml version="1.0" encoding="utf-8"?>
-<p:sld xmlns:a="http://schemas.openxmlformats.org/drawingml/2006/main" xmlns:r="http://schemas.openxmlformats.org/officeDocument/2006/relationships" xmlns:p="http://schemas.openxmlformats.org/presentationml/2006/main">
-  <p:cSld>
-    <p:spTree>
-      <p:nvGrpSpPr>
-        <p:cNvPr id="1" name=""/>
-        <p:cNvGrpSpPr/>
-        <p:nvPr/>
-      </p:nvGrpSpPr>
-      <p:grpSpPr>
-        <a:xfrm>
-          <a:off x="0" y="0"/>
-          <a:ext cx="0" cy="0"/>
-          <a:chOff x="0" y="0"/>
-          <a:chExt cx="0" cy="0"/>
-        </a:xfrm>
-      </p:grpSpPr>
-    </p:spTree>
-    <p:extLst>
-      <p:ext uri="{BB962C8B-B14F-4D97-AF65-F5344CB8AC3E}">
-        <p14:creationId xmlns:p14="http://schemas.microsoft.com/office/powerpoint/2010/main" val="1503921552"/>
-      </p:ext>
-    </p:extLst>
-  </p:cSld>
-  <p:clrMapOvr>
-    <a:masterClrMapping/>
-  </p:clrMapOvr>
-  <p:timing>
-    <p:tnLst>
-      <p:par>
-        <p:cTn id="1" dur="indefinite" restart="never" nodeType="tmRoot"/>
-      </p:par>
-    </p:tnLst>
-  </p:timing>
-</p:sld>
-</file>
-
-<file path=ppt/slides/slide8.xml><?xml version="1.0" encoding="utf-8"?>
-<p:sld xmlns:a="http://schemas.openxmlformats.org/drawingml/2006/main" xmlns:r="http://schemas.openxmlformats.org/officeDocument/2006/relationships" xmlns:p="http://schemas.openxmlformats.org/presentationml/2006/main">
-  <p:cSld>
-    <p:spTree>
-      <p:nvGrpSpPr>
-        <p:cNvPr id="1" name=""/>
-        <p:cNvGrpSpPr/>
-        <p:nvPr/>
-      </p:nvGrpSpPr>
-      <p:grpSpPr>
-        <a:xfrm>
-          <a:off x="0" y="0"/>
-          <a:ext cx="0" cy="0"/>
-          <a:chOff x="0" y="0"/>
-          <a:chExt cx="0" cy="0"/>
-        </a:xfrm>
-      </p:grpSpPr>
+      <p:sp>
+        <p:nvSpPr>
+          <p:cNvPr id="2" name="CuadroTexto 1"/>
+          <p:cNvSpPr txBox="1"/>
+          <p:nvPr/>
+        </p:nvSpPr>
+        <p:spPr>
+          <a:xfrm>
+            <a:off x="2909978" y="883576"/>
+            <a:ext cx="6465231" cy="830997"/>
+          </a:xfrm>
+          <a:prstGeom prst="rect">
+            <a:avLst/>
+          </a:prstGeom>
+          <a:noFill/>
+        </p:spPr>
+        <p:txBody>
+          <a:bodyPr wrap="none" rtlCol="0">
+            <a:spAutoFit/>
+          </a:bodyPr>
+          <a:lstStyle/>
+          <a:p>
+            <a:r>
+              <a:rPr lang="en-US" sz="4800" dirty="0" smtClean="0">
+                <a:solidFill>
+                  <a:schemeClr val="accent4">
+                    <a:lumMod val="60000"/>
+                    <a:lumOff val="40000"/>
+                  </a:schemeClr>
+                </a:solidFill>
+                <a:latin typeface="Star Jedi" panose="040B0000000000000000" pitchFamily="82" charset="0"/>
+              </a:rPr>
+              <a:t>Congratulations</a:t>
+            </a:r>
+            <a:endParaRPr lang="en-US" sz="4000" dirty="0" smtClean="0">
+              <a:solidFill>
+                <a:schemeClr val="accent4">
+                  <a:lumMod val="60000"/>
+                  <a:lumOff val="40000"/>
+                </a:schemeClr>
+              </a:solidFill>
+              <a:latin typeface="Star Jedi" panose="040B0000000000000000" pitchFamily="82" charset="0"/>
+            </a:endParaRPr>
+          </a:p>
+        </p:txBody>
+      </p:sp>
+      <p:sp>
+        <p:nvSpPr>
+          <p:cNvPr id="3" name="CuadroTexto 2"/>
+          <p:cNvSpPr txBox="1"/>
+          <p:nvPr/>
+        </p:nvSpPr>
+        <p:spPr>
+          <a:xfrm>
+            <a:off x="4664466" y="2208944"/>
+            <a:ext cx="2956259" cy="523220"/>
+          </a:xfrm>
+          <a:prstGeom prst="rect">
+            <a:avLst/>
+          </a:prstGeom>
+          <a:noFill/>
+        </p:spPr>
+        <p:txBody>
+          <a:bodyPr wrap="none" rtlCol="0">
+            <a:spAutoFit/>
+          </a:bodyPr>
+          <a:lstStyle/>
+          <a:p>
+            <a:r>
+              <a:rPr lang="en-US" sz="2800" dirty="0" smtClean="0">
+                <a:solidFill>
+                  <a:schemeClr val="accent4">
+                    <a:lumMod val="60000"/>
+                    <a:lumOff val="40000"/>
+                  </a:schemeClr>
+                </a:solidFill>
+                <a:latin typeface="Star Jedi" panose="040B0000000000000000" pitchFamily="82" charset="0"/>
+              </a:rPr>
+              <a:t>You cleared</a:t>
+            </a:r>
+            <a:endParaRPr lang="en-US" sz="2800" dirty="0"/>
+          </a:p>
+        </p:txBody>
+      </p:sp>
+      <p:sp>
+        <p:nvSpPr>
+          <p:cNvPr id="4" name="CuadroTexto 3"/>
+          <p:cNvSpPr txBox="1"/>
+          <p:nvPr/>
+        </p:nvSpPr>
+        <p:spPr>
+          <a:xfrm>
+            <a:off x="5062010" y="2732164"/>
+            <a:ext cx="2161169" cy="584775"/>
+          </a:xfrm>
+          <a:prstGeom prst="rect">
+            <a:avLst/>
+          </a:prstGeom>
+          <a:noFill/>
+        </p:spPr>
+        <p:txBody>
+          <a:bodyPr wrap="none" rtlCol="0">
+            <a:spAutoFit/>
+          </a:bodyPr>
+          <a:lstStyle/>
+          <a:p>
+            <a:r>
+              <a:rPr lang="en-US" sz="3200" dirty="0" smtClean="0">
+                <a:solidFill>
+                  <a:schemeClr val="accent4">
+                    <a:lumMod val="60000"/>
+                    <a:lumOff val="40000"/>
+                  </a:schemeClr>
+                </a:solidFill>
+                <a:latin typeface="Star Jedi" panose="040B0000000000000000" pitchFamily="82" charset="0"/>
+              </a:rPr>
+              <a:t>x waves</a:t>
+            </a:r>
+            <a:endParaRPr lang="en-US" dirty="0"/>
+          </a:p>
+        </p:txBody>
+      </p:sp>
+      <p:sp>
+        <p:nvSpPr>
+          <p:cNvPr id="5" name="CuadroTexto 4"/>
+          <p:cNvSpPr txBox="1"/>
+          <p:nvPr/>
+        </p:nvSpPr>
+        <p:spPr>
+          <a:xfrm>
+            <a:off x="4729385" y="3738081"/>
+            <a:ext cx="2826415" cy="523220"/>
+          </a:xfrm>
+          <a:prstGeom prst="rect">
+            <a:avLst/>
+          </a:prstGeom>
+          <a:noFill/>
+        </p:spPr>
+        <p:txBody>
+          <a:bodyPr wrap="none" rtlCol="0">
+            <a:spAutoFit/>
+          </a:bodyPr>
+          <a:lstStyle/>
+          <a:p>
+            <a:r>
+              <a:rPr lang="en-US" sz="2800" dirty="0" smtClean="0">
+                <a:solidFill>
+                  <a:schemeClr val="accent4">
+                    <a:lumMod val="60000"/>
+                    <a:lumOff val="40000"/>
+                  </a:schemeClr>
+                </a:solidFill>
+                <a:latin typeface="Star Jedi" panose="040B0000000000000000" pitchFamily="82" charset="0"/>
+              </a:rPr>
+              <a:t>Score: 12345</a:t>
+            </a:r>
+            <a:endParaRPr lang="en-US" sz="2800" dirty="0"/>
+          </a:p>
+        </p:txBody>
+      </p:sp>
     </p:spTree>
     <p:extLst>
       <p:ext uri="{BB962C8B-B14F-4D97-AF65-F5344CB8AC3E}">

--- a/Docs/StarwarsTD.pptx
+++ b/Docs/StarwarsTD.pptx
@@ -4680,7 +4680,9 @@
       </p:pic>
       <p:sp>
         <p:nvSpPr>
-          <p:cNvPr id="4" name="Flecha derecha 3"/>
+          <p:cNvPr id="4" name="Flecha derecha 3">
+            <a:hlinkClick r:id="rId3" action="ppaction://hlinksldjump"/>
+          </p:cNvPr>
           <p:cNvSpPr/>
           <p:nvPr/>
         </p:nvSpPr>
@@ -4977,7 +4979,9 @@
       </p:sp>
       <p:sp>
         <p:nvSpPr>
-          <p:cNvPr id="5" name="Flecha derecha 4"/>
+          <p:cNvPr id="5" name="Flecha derecha 4">
+            <a:hlinkClick r:id="rId4" action="ppaction://hlinksldjump"/>
+          </p:cNvPr>
           <p:cNvSpPr/>
           <p:nvPr/>
         </p:nvSpPr>
